--- a/_book/plot/ss-q7-bar-1.pptx
+++ b/_book/plot/ss-q7-bar-1.pptx
@@ -3158,7 +3158,7 @@
           <p:spPr>
             <a:xfrm>
               <a:off x="1952625" y="1751012"/>
-              <a:ext cx="3657599" cy="1828800"/>
+              <a:ext cx="3657600" cy="1828800"/>
             </a:xfrm>
             <a:prstGeom prst="rect">
               <a:avLst/>
@@ -3192,8 +3192,8 @@
           </p:nvSpPr>
           <p:spPr>
             <a:xfrm>
-              <a:off x="3471692" y="1820601"/>
-              <a:ext cx="2068943" cy="1363315"/>
+              <a:off x="3469949" y="1820601"/>
+              <a:ext cx="2070686" cy="1367012"/>
             </a:xfrm>
             <a:prstGeom prst="rect">
               <a:avLst/>
@@ -3218,15 +3218,15 @@
           </p:nvSpPr>
           <p:spPr>
             <a:xfrm>
-              <a:off x="3736079" y="1820601"/>
-              <a:ext cx="0" cy="1363315"/>
+              <a:off x="3734558" y="1820601"/>
+              <a:ext cx="0" cy="1367012"/>
             </a:xfrm>
             <a:custGeom>
               <a:avLst/>
               <a:pathLst>
-                <a:path w="0" h="1363315">
+                <a:path w="0" h="1367012">
                   <a:moveTo>
-                    <a:pt x="0" y="1363315"/>
+                    <a:pt x="0" y="1367012"/>
                   </a:moveTo>
                   <a:lnTo>
                     <a:pt x="0" y="0"/>
@@ -3261,15 +3261,15 @@
           </p:nvSpPr>
           <p:spPr>
             <a:xfrm>
-              <a:off x="4264853" y="1820601"/>
-              <a:ext cx="0" cy="1363315"/>
+              <a:off x="4263777" y="1820601"/>
+              <a:ext cx="0" cy="1367012"/>
             </a:xfrm>
             <a:custGeom>
               <a:avLst/>
               <a:pathLst>
-                <a:path w="0" h="1363315">
+                <a:path w="0" h="1367012">
                   <a:moveTo>
-                    <a:pt x="0" y="1363315"/>
+                    <a:pt x="0" y="1367012"/>
                   </a:moveTo>
                   <a:lnTo>
                     <a:pt x="0" y="0"/>
@@ -3304,15 +3304,15 @@
           </p:nvSpPr>
           <p:spPr>
             <a:xfrm>
-              <a:off x="4793626" y="1820601"/>
-              <a:ext cx="0" cy="1363315"/>
+              <a:off x="4792997" y="1820601"/>
+              <a:ext cx="0" cy="1367012"/>
             </a:xfrm>
             <a:custGeom>
               <a:avLst/>
               <a:pathLst>
-                <a:path w="0" h="1363315">
+                <a:path w="0" h="1367012">
                   <a:moveTo>
-                    <a:pt x="0" y="1363315"/>
+                    <a:pt x="0" y="1367012"/>
                   </a:moveTo>
                   <a:lnTo>
                     <a:pt x="0" y="0"/>
@@ -3347,15 +3347,15 @@
           </p:nvSpPr>
           <p:spPr>
             <a:xfrm>
-              <a:off x="5322400" y="1820601"/>
-              <a:ext cx="0" cy="1363315"/>
+              <a:off x="5322216" y="1820601"/>
+              <a:ext cx="0" cy="1367012"/>
             </a:xfrm>
             <a:custGeom>
               <a:avLst/>
               <a:pathLst>
-                <a:path w="0" h="1363315">
+                <a:path w="0" h="1367012">
                   <a:moveTo>
-                    <a:pt x="0" y="1363315"/>
+                    <a:pt x="0" y="1367012"/>
                   </a:moveTo>
                   <a:lnTo>
                     <a:pt x="0" y="0"/>
@@ -3390,21 +3390,21 @@
           </p:nvSpPr>
           <p:spPr>
             <a:xfrm>
-              <a:off x="3471692" y="2989157"/>
-              <a:ext cx="2068943" cy="0"/>
+              <a:off x="3469949" y="2992326"/>
+              <a:ext cx="2070686" cy="0"/>
             </a:xfrm>
             <a:custGeom>
               <a:avLst/>
               <a:pathLst>
-                <a:path w="2068943" h="0">
+                <a:path w="2070686" h="0">
                   <a:moveTo>
                     <a:pt x="0" y="0"/>
                   </a:moveTo>
                   <a:lnTo>
-                    <a:pt x="2068943" y="0"/>
-                  </a:lnTo>
-                  <a:lnTo>
-                    <a:pt x="2068943" y="0"/>
+                    <a:pt x="2070686" y="0"/>
+                  </a:lnTo>
+                  <a:lnTo>
+                    <a:pt x="2070686" y="0"/>
                   </a:lnTo>
                 </a:path>
               </a:pathLst>
@@ -3433,21 +3433,21 @@
           </p:nvSpPr>
           <p:spPr>
             <a:xfrm>
-              <a:off x="3471692" y="2664558"/>
-              <a:ext cx="2068943" cy="0"/>
+              <a:off x="3469949" y="2666847"/>
+              <a:ext cx="2070686" cy="0"/>
             </a:xfrm>
             <a:custGeom>
               <a:avLst/>
               <a:pathLst>
-                <a:path w="2068943" h="0">
+                <a:path w="2070686" h="0">
                   <a:moveTo>
                     <a:pt x="0" y="0"/>
                   </a:moveTo>
                   <a:lnTo>
-                    <a:pt x="2068943" y="0"/>
-                  </a:lnTo>
-                  <a:lnTo>
-                    <a:pt x="2068943" y="0"/>
+                    <a:pt x="2070686" y="0"/>
+                  </a:lnTo>
+                  <a:lnTo>
+                    <a:pt x="2070686" y="0"/>
                   </a:lnTo>
                 </a:path>
               </a:pathLst>
@@ -3476,21 +3476,21 @@
           </p:nvSpPr>
           <p:spPr>
             <a:xfrm>
-              <a:off x="3471692" y="2339959"/>
-              <a:ext cx="2068943" cy="0"/>
+              <a:off x="3469949" y="2341368"/>
+              <a:ext cx="2070686" cy="0"/>
             </a:xfrm>
             <a:custGeom>
               <a:avLst/>
               <a:pathLst>
-                <a:path w="2068943" h="0">
+                <a:path w="2070686" h="0">
                   <a:moveTo>
                     <a:pt x="0" y="0"/>
                   </a:moveTo>
                   <a:lnTo>
-                    <a:pt x="2068943" y="0"/>
-                  </a:lnTo>
-                  <a:lnTo>
-                    <a:pt x="2068943" y="0"/>
+                    <a:pt x="2070686" y="0"/>
+                  </a:lnTo>
+                  <a:lnTo>
+                    <a:pt x="2070686" y="0"/>
                   </a:lnTo>
                 </a:path>
               </a:pathLst>
@@ -3519,21 +3519,21 @@
           </p:nvSpPr>
           <p:spPr>
             <a:xfrm>
-              <a:off x="3471692" y="2015360"/>
-              <a:ext cx="2068943" cy="0"/>
+              <a:off x="3469949" y="2015889"/>
+              <a:ext cx="2070686" cy="0"/>
             </a:xfrm>
             <a:custGeom>
               <a:avLst/>
               <a:pathLst>
-                <a:path w="2068943" h="0">
+                <a:path w="2070686" h="0">
                   <a:moveTo>
                     <a:pt x="0" y="0"/>
                   </a:moveTo>
                   <a:lnTo>
-                    <a:pt x="2068943" y="0"/>
-                  </a:lnTo>
-                  <a:lnTo>
-                    <a:pt x="2068943" y="0"/>
+                    <a:pt x="2070686" y="0"/>
+                  </a:lnTo>
+                  <a:lnTo>
+                    <a:pt x="2070686" y="0"/>
                   </a:lnTo>
                 </a:path>
               </a:pathLst>
@@ -3562,15 +3562,15 @@
           </p:nvSpPr>
           <p:spPr>
             <a:xfrm>
-              <a:off x="3471692" y="1820601"/>
-              <a:ext cx="0" cy="1363315"/>
+              <a:off x="3469949" y="1820601"/>
+              <a:ext cx="0" cy="1367012"/>
             </a:xfrm>
             <a:custGeom>
               <a:avLst/>
               <a:pathLst>
-                <a:path w="0" h="1363315">
+                <a:path w="0" h="1367012">
                   <a:moveTo>
-                    <a:pt x="0" y="1363315"/>
+                    <a:pt x="0" y="1367012"/>
                   </a:moveTo>
                   <a:lnTo>
                     <a:pt x="0" y="0"/>
@@ -3605,15 +3605,15 @@
           </p:nvSpPr>
           <p:spPr>
             <a:xfrm>
-              <a:off x="4000466" y="1820601"/>
-              <a:ext cx="0" cy="1363315"/>
+              <a:off x="3999168" y="1820601"/>
+              <a:ext cx="0" cy="1367012"/>
             </a:xfrm>
             <a:custGeom>
               <a:avLst/>
               <a:pathLst>
-                <a:path w="0" h="1363315">
+                <a:path w="0" h="1367012">
                   <a:moveTo>
-                    <a:pt x="0" y="1363315"/>
+                    <a:pt x="0" y="1367012"/>
                   </a:moveTo>
                   <a:lnTo>
                     <a:pt x="0" y="0"/>
@@ -3648,15 +3648,15 @@
           </p:nvSpPr>
           <p:spPr>
             <a:xfrm>
-              <a:off x="4529239" y="1820601"/>
-              <a:ext cx="0" cy="1363315"/>
+              <a:off x="4528387" y="1820601"/>
+              <a:ext cx="0" cy="1367012"/>
             </a:xfrm>
             <a:custGeom>
               <a:avLst/>
               <a:pathLst>
-                <a:path w="0" h="1363315">
+                <a:path w="0" h="1367012">
                   <a:moveTo>
-                    <a:pt x="0" y="1363315"/>
+                    <a:pt x="0" y="1367012"/>
                   </a:moveTo>
                   <a:lnTo>
                     <a:pt x="0" y="0"/>
@@ -3691,15 +3691,15 @@
           </p:nvSpPr>
           <p:spPr>
             <a:xfrm>
-              <a:off x="5058013" y="1820601"/>
-              <a:ext cx="0" cy="1363315"/>
+              <a:off x="5057606" y="1820601"/>
+              <a:ext cx="0" cy="1367012"/>
             </a:xfrm>
             <a:custGeom>
               <a:avLst/>
               <a:pathLst>
-                <a:path w="0" h="1363315">
+                <a:path w="0" h="1367012">
                   <a:moveTo>
-                    <a:pt x="0" y="1363315"/>
+                    <a:pt x="0" y="1367012"/>
                   </a:moveTo>
                   <a:lnTo>
                     <a:pt x="0" y="0"/>
@@ -3734,8 +3734,8 @@
           </p:nvSpPr>
           <p:spPr>
             <a:xfrm>
-              <a:off x="3471692" y="1869291"/>
-              <a:ext cx="1962807" cy="292139"/>
+              <a:off x="3469949" y="1869423"/>
+              <a:ext cx="1964462" cy="292931"/>
             </a:xfrm>
             <a:prstGeom prst="rect">
               <a:avLst/>
@@ -3760,8 +3760,8 @@
           </p:nvSpPr>
           <p:spPr>
             <a:xfrm>
-              <a:off x="3471692" y="2193890"/>
-              <a:ext cx="268617" cy="292139"/>
+              <a:off x="3469949" y="2194902"/>
+              <a:ext cx="268843" cy="292931"/>
             </a:xfrm>
             <a:prstGeom prst="rect">
               <a:avLst/>
@@ -3786,8 +3786,8 @@
           </p:nvSpPr>
           <p:spPr>
             <a:xfrm>
-              <a:off x="3471692" y="2518489"/>
-              <a:ext cx="2028375" cy="292139"/>
+              <a:off x="3469949" y="2520381"/>
+              <a:ext cx="2030085" cy="292931"/>
             </a:xfrm>
             <a:prstGeom prst="rect">
               <a:avLst/>
@@ -3812,8 +3812,8 @@
           </p:nvSpPr>
           <p:spPr>
             <a:xfrm>
-              <a:off x="3471692" y="2843088"/>
-              <a:ext cx="109984" cy="292139"/>
+              <a:off x="3469949" y="2845861"/>
+              <a:ext cx="110077" cy="292931"/>
             </a:xfrm>
             <a:prstGeom prst="rect">
               <a:avLst/>
@@ -3838,7 +3838,7 @@
           </p:nvSpPr>
           <p:spPr>
             <a:xfrm>
-              <a:off x="5209429" y="1962042"/>
+              <a:off x="5209299" y="1962570"/>
               <a:ext cx="52508" cy="76751"/>
             </a:xfrm>
             <a:custGeom>
@@ -4712,7 +4712,7 @@
           </p:nvSpPr>
           <p:spPr>
             <a:xfrm>
-              <a:off x="5224515" y="1973687"/>
+              <a:off x="5224385" y="1974215"/>
               <a:ext cx="21702" cy="27101"/>
             </a:xfrm>
             <a:custGeom>
@@ -5223,7 +5223,7 @@
           </p:nvSpPr>
           <p:spPr>
             <a:xfrm>
-              <a:off x="5269719" y="1962042"/>
+              <a:off x="5269589" y="1962570"/>
               <a:ext cx="52191" cy="75692"/>
             </a:xfrm>
             <a:custGeom>
@@ -5989,7 +5989,7 @@
           </p:nvSpPr>
           <p:spPr>
             <a:xfrm>
-              <a:off x="5329691" y="1962042"/>
+              <a:off x="5329561" y="1962570"/>
               <a:ext cx="53514" cy="76751"/>
             </a:xfrm>
             <a:custGeom>
@@ -6986,7 +6986,7 @@
           </p:nvSpPr>
           <p:spPr>
             <a:xfrm>
-              <a:off x="5346629" y="1972470"/>
+              <a:off x="5346500" y="1972998"/>
               <a:ext cx="19426" cy="20908"/>
             </a:xfrm>
             <a:custGeom>
@@ -7497,7 +7497,7 @@
           </p:nvSpPr>
           <p:spPr>
             <a:xfrm>
-              <a:off x="5344989" y="2003805"/>
+              <a:off x="5344859" y="2004334"/>
               <a:ext cx="22813" cy="24507"/>
             </a:xfrm>
             <a:custGeom>
@@ -8008,7 +8008,7 @@
           </p:nvSpPr>
           <p:spPr>
             <a:xfrm>
-              <a:off x="5274997" y="2611240"/>
+              <a:off x="5274923" y="2613529"/>
               <a:ext cx="52508" cy="76751"/>
             </a:xfrm>
             <a:custGeom>
@@ -8882,7 +8882,7 @@
           </p:nvSpPr>
           <p:spPr>
             <a:xfrm>
-              <a:off x="5290083" y="2622885"/>
+              <a:off x="5290008" y="2625174"/>
               <a:ext cx="21702" cy="27101"/>
             </a:xfrm>
             <a:custGeom>
@@ -9393,7 +9393,7 @@
           </p:nvSpPr>
           <p:spPr>
             <a:xfrm>
-              <a:off x="5334864" y="2612351"/>
+              <a:off x="5334789" y="2614640"/>
               <a:ext cx="53937" cy="75640"/>
             </a:xfrm>
             <a:custGeom>
@@ -10225,7 +10225,7 @@
           </p:nvSpPr>
           <p:spPr>
             <a:xfrm>
-              <a:off x="5395577" y="2611240"/>
+              <a:off x="5395502" y="2613529"/>
               <a:ext cx="52508" cy="76751"/>
             </a:xfrm>
             <a:custGeom>
@@ -11099,7 +11099,7 @@
           </p:nvSpPr>
           <p:spPr>
             <a:xfrm>
-              <a:off x="5410662" y="2622885"/>
+              <a:off x="5410588" y="2625174"/>
               <a:ext cx="21702" cy="27101"/>
             </a:xfrm>
             <a:custGeom>
@@ -11610,7 +11610,7 @@
           </p:nvSpPr>
           <p:spPr>
             <a:xfrm>
-              <a:off x="3796526" y="2302669"/>
+              <a:off x="3795050" y="2304077"/>
               <a:ext cx="46739" cy="74581"/>
             </a:xfrm>
             <a:custGeom>
@@ -11674,7 +11674,7 @@
           </p:nvSpPr>
           <p:spPr>
             <a:xfrm>
-              <a:off x="3854011" y="2301557"/>
+              <a:off x="3852534" y="2302966"/>
               <a:ext cx="49385" cy="75692"/>
             </a:xfrm>
             <a:custGeom>
@@ -12620,7 +12620,7 @@
           </p:nvSpPr>
           <p:spPr>
             <a:xfrm>
-              <a:off x="3914406" y="2302669"/>
+              <a:off x="3912929" y="2304077"/>
               <a:ext cx="49279" cy="74581"/>
             </a:xfrm>
             <a:custGeom>
@@ -12906,7 +12906,7 @@
           </p:nvSpPr>
           <p:spPr>
             <a:xfrm>
-              <a:off x="3633977" y="2951867"/>
+              <a:off x="3632367" y="2955036"/>
               <a:ext cx="51397" cy="75640"/>
             </a:xfrm>
             <a:custGeom>
@@ -13858,7 +13858,7 @@
           </p:nvSpPr>
           <p:spPr>
             <a:xfrm>
-              <a:off x="3695378" y="2950755"/>
+              <a:off x="3693768" y="2953924"/>
               <a:ext cx="49385" cy="75692"/>
             </a:xfrm>
             <a:custGeom>
@@ -14804,8 +14804,8 @@
           </p:nvSpPr>
           <p:spPr>
             <a:xfrm>
-              <a:off x="3471692" y="1820601"/>
-              <a:ext cx="2068943" cy="1363315"/>
+              <a:off x="3469949" y="1820601"/>
+              <a:ext cx="2070686" cy="1367012"/>
             </a:xfrm>
             <a:prstGeom prst="rect">
               <a:avLst/>
@@ -14834,7 +14834,7 @@
           </p:nvSpPr>
           <p:spPr>
             <a:xfrm>
-              <a:off x="2194714" y="2887470"/>
+              <a:off x="2192970" y="2890639"/>
               <a:ext cx="58772" cy="79781"/>
             </a:xfrm>
             <a:custGeom>
@@ -15114,7 +15114,7 @@
           </p:nvSpPr>
           <p:spPr>
             <a:xfrm>
-              <a:off x="2204864" y="2896147"/>
+              <a:off x="2203120" y="2899316"/>
               <a:ext cx="37871" cy="62373"/>
             </a:xfrm>
             <a:custGeom>
@@ -15334,7 +15334,7 @@
           </p:nvSpPr>
           <p:spPr>
             <a:xfrm>
-              <a:off x="2268329" y="2953609"/>
+              <a:off x="2266585" y="2956778"/>
               <a:ext cx="13860" cy="15225"/>
             </a:xfrm>
             <a:custGeom>
@@ -15845,7 +15845,7 @@
           </p:nvSpPr>
           <p:spPr>
             <a:xfrm>
-              <a:off x="2368193" y="2880376"/>
+              <a:off x="2366449" y="2883545"/>
               <a:ext cx="46712" cy="62428"/>
             </a:xfrm>
             <a:custGeom>
@@ -15900,7 +15900,7 @@
           </p:nvSpPr>
           <p:spPr>
             <a:xfrm>
-              <a:off x="2354659" y="2898711"/>
+              <a:off x="2352916" y="2901880"/>
               <a:ext cx="71596" cy="79890"/>
             </a:xfrm>
             <a:custGeom>
@@ -16339,7 +16339,7 @@
           </p:nvSpPr>
           <p:spPr>
             <a:xfrm>
-              <a:off x="2323227" y="2876010"/>
+              <a:off x="2321483" y="2879179"/>
               <a:ext cx="40600" cy="101719"/>
             </a:xfrm>
             <a:custGeom>
@@ -16449,7 +16449,7 @@
                     <a:pt x="29153" y="42577"/>
                   </a:lnTo>
                   <a:lnTo>
-                    <a:pt x="27939" y="44529"/>
+                    <a:pt x="27940" y="44529"/>
                   </a:lnTo>
                   <a:lnTo>
                     <a:pt x="29402" y="45494"/>
@@ -16506,7 +16506,7 @@
                     <a:pt x="28813" y="55482"/>
                   </a:lnTo>
                   <a:lnTo>
-                    <a:pt x="27939" y="54587"/>
+                    <a:pt x="27940" y="54587"/>
                   </a:lnTo>
                   <a:lnTo>
                     <a:pt x="27066" y="53701"/>
@@ -16613,7 +16613,7 @@
           </p:nvSpPr>
           <p:spPr>
             <a:xfrm>
-              <a:off x="2452449" y="2879066"/>
+              <a:off x="2450706" y="2882235"/>
               <a:ext cx="68976" cy="39727"/>
             </a:xfrm>
             <a:custGeom>
@@ -16656,7 +16656,7 @@
           </p:nvSpPr>
           <p:spPr>
             <a:xfrm>
-              <a:off x="2460744" y="2886924"/>
+              <a:off x="2459000" y="2890093"/>
               <a:ext cx="52387" cy="8294"/>
             </a:xfrm>
             <a:custGeom>
@@ -16699,7 +16699,7 @@
           </p:nvSpPr>
           <p:spPr>
             <a:xfrm>
-              <a:off x="2460744" y="2902204"/>
+              <a:off x="2459000" y="2905373"/>
               <a:ext cx="52387" cy="8731"/>
             </a:xfrm>
             <a:custGeom>
@@ -16742,7 +16742,7 @@
           </p:nvSpPr>
           <p:spPr>
             <a:xfrm>
-              <a:off x="2435423" y="2924905"/>
+              <a:off x="2433680" y="2928074"/>
               <a:ext cx="102155" cy="52387"/>
             </a:xfrm>
             <a:custGeom>
@@ -16903,7 +16903,7 @@
                     <a:pt x="8962" y="50689"/>
                   </a:lnTo>
                   <a:lnTo>
-                    <a:pt x="6985" y="52387"/>
+                    <a:pt x="6984" y="52387"/>
                   </a:lnTo>
                   <a:lnTo>
                     <a:pt x="0" y="45402"/>
@@ -16918,7 +16918,7 @@
                     <a:pt x="9888" y="36025"/>
                   </a:lnTo>
                   <a:lnTo>
-                    <a:pt x="12573" y="32689"/>
+                    <a:pt x="12572" y="32689"/>
                   </a:lnTo>
                   <a:lnTo>
                     <a:pt x="14952" y="29249"/>
@@ -17031,7 +17031,7 @@
           </p:nvSpPr>
           <p:spPr>
             <a:xfrm>
-              <a:off x="2548056" y="2880376"/>
+              <a:off x="2546313" y="2883545"/>
               <a:ext cx="96916" cy="53260"/>
             </a:xfrm>
             <a:custGeom>
@@ -17179,7 +17179,7 @@
           </p:nvSpPr>
           <p:spPr>
             <a:xfrm>
-              <a:off x="2608302" y="2895219"/>
+              <a:off x="2606558" y="2898388"/>
               <a:ext cx="40600" cy="30122"/>
             </a:xfrm>
             <a:custGeom>
@@ -17276,7 +17276,7 @@
           </p:nvSpPr>
           <p:spPr>
             <a:xfrm>
-              <a:off x="2560280" y="2930581"/>
+              <a:off x="2558537" y="2933749"/>
               <a:ext cx="76398" cy="46712"/>
             </a:xfrm>
             <a:custGeom>
@@ -17331,7 +17331,7 @@
           </p:nvSpPr>
           <p:spPr>
             <a:xfrm>
-              <a:off x="2569011" y="2938875"/>
+              <a:off x="2567268" y="2942044"/>
               <a:ext cx="58935" cy="23574"/>
             </a:xfrm>
             <a:custGeom>
@@ -17374,7 +17374,7 @@
           </p:nvSpPr>
           <p:spPr>
             <a:xfrm>
-              <a:off x="2661126" y="2876447"/>
+              <a:off x="2659382" y="2879616"/>
               <a:ext cx="97353" cy="101282"/>
             </a:xfrm>
             <a:custGeom>
@@ -17753,21 +17753,21 @@
           </p:nvSpPr>
           <p:spPr>
             <a:xfrm>
-              <a:off x="2692122" y="2918357"/>
-              <a:ext cx="48894" cy="10477"/>
+              <a:off x="2690378" y="2921526"/>
+              <a:ext cx="48895" cy="10477"/>
             </a:xfrm>
             <a:custGeom>
               <a:avLst/>
               <a:pathLst>
-                <a:path w="48894" h="10477">
+                <a:path w="48895" h="10477">
                   <a:moveTo>
                     <a:pt x="0" y="10477"/>
                   </a:moveTo>
                   <a:lnTo>
-                    <a:pt x="48894" y="10477"/>
-                  </a:lnTo>
-                  <a:lnTo>
-                    <a:pt x="48894" y="0"/>
+                    <a:pt x="48895" y="10477"/>
+                  </a:lnTo>
+                  <a:lnTo>
+                    <a:pt x="48895" y="0"/>
                   </a:lnTo>
                   <a:lnTo>
                     <a:pt x="0" y="0"/>
@@ -17796,21 +17796,21 @@
           </p:nvSpPr>
           <p:spPr>
             <a:xfrm>
-              <a:off x="2692122" y="2936692"/>
-              <a:ext cx="48894" cy="10040"/>
+              <a:off x="2690378" y="2939861"/>
+              <a:ext cx="48895" cy="10040"/>
             </a:xfrm>
             <a:custGeom>
               <a:avLst/>
               <a:pathLst>
-                <a:path w="48894" h="10040">
+                <a:path w="48895" h="10040">
                   <a:moveTo>
                     <a:pt x="0" y="10040"/>
                   </a:moveTo>
                   <a:lnTo>
-                    <a:pt x="48894" y="10040"/>
-                  </a:lnTo>
-                  <a:lnTo>
-                    <a:pt x="48894" y="0"/>
+                    <a:pt x="48895" y="10040"/>
+                  </a:lnTo>
+                  <a:lnTo>
+                    <a:pt x="48895" y="0"/>
                   </a:lnTo>
                   <a:lnTo>
                     <a:pt x="0" y="0"/>
@@ -17839,7 +17839,7 @@
           </p:nvSpPr>
           <p:spPr>
             <a:xfrm>
-              <a:off x="2770703" y="2883868"/>
+              <a:off x="2768960" y="2887037"/>
               <a:ext cx="42783" cy="89931"/>
             </a:xfrm>
             <a:custGeom>
@@ -18002,7 +18002,7 @@
           </p:nvSpPr>
           <p:spPr>
             <a:xfrm>
-              <a:off x="2790785" y="2926215"/>
+              <a:off x="2789042" y="2929384"/>
               <a:ext cx="10040" cy="29686"/>
             </a:xfrm>
             <a:custGeom>
@@ -18045,7 +18045,7 @@
           </p:nvSpPr>
           <p:spPr>
             <a:xfrm>
-              <a:off x="2809121" y="2881249"/>
+              <a:off x="2807377" y="2884418"/>
               <a:ext cx="63738" cy="96043"/>
             </a:xfrm>
             <a:custGeom>
@@ -18098,7 +18098,7 @@
                     <a:pt x="23770" y="65667"/>
                   </a:lnTo>
                   <a:lnTo>
-                    <a:pt x="22351" y="70583"/>
+                    <a:pt x="22352" y="70583"/>
                   </a:lnTo>
                   <a:lnTo>
                     <a:pt x="20627" y="75307"/>
@@ -18190,7 +18190,7 @@
           </p:nvSpPr>
           <p:spPr>
             <a:xfrm>
-              <a:off x="2835751" y="2889544"/>
+              <a:off x="2834007" y="2892713"/>
               <a:ext cx="14406" cy="33178"/>
             </a:xfrm>
             <a:custGeom>
@@ -18233,7 +18233,7 @@
           </p:nvSpPr>
           <p:spPr>
             <a:xfrm>
-              <a:off x="2886392" y="2875574"/>
+              <a:off x="2884649" y="2878743"/>
               <a:ext cx="95607" cy="29686"/>
             </a:xfrm>
             <a:custGeom>
@@ -18354,7 +18354,7 @@
           </p:nvSpPr>
           <p:spPr>
             <a:xfrm>
-              <a:off x="2942709" y="2896965"/>
+              <a:off x="2940965" y="2900134"/>
               <a:ext cx="36234" cy="24447"/>
             </a:xfrm>
             <a:custGeom>
@@ -18374,7 +18374,7 @@
                     <a:pt x="14995" y="4688"/>
                   </a:lnTo>
                   <a:lnTo>
-                    <a:pt x="18161" y="6356"/>
+                    <a:pt x="18160" y="6356"/>
                   </a:lnTo>
                   <a:lnTo>
                     <a:pt x="21282" y="8076"/>
@@ -18413,7 +18413,7 @@
                     <a:pt x="15607" y="14515"/>
                   </a:lnTo>
                   <a:lnTo>
-                    <a:pt x="12573" y="12765"/>
+                    <a:pt x="12572" y="12765"/>
                   </a:lnTo>
                   <a:lnTo>
                     <a:pt x="9495" y="11093"/>
@@ -18451,7 +18451,7 @@
           </p:nvSpPr>
           <p:spPr>
             <a:xfrm>
-              <a:off x="2889885" y="2896965"/>
+              <a:off x="2888141" y="2900134"/>
               <a:ext cx="38417" cy="22264"/>
             </a:xfrm>
             <a:custGeom>
@@ -18548,7 +18548,7 @@
           </p:nvSpPr>
           <p:spPr>
             <a:xfrm>
-              <a:off x="2885083" y="2913118"/>
+              <a:off x="2883339" y="2916287"/>
               <a:ext cx="100409" cy="64611"/>
             </a:xfrm>
             <a:custGeom>
@@ -18946,7 +18946,7 @@
                     <a:pt x="5849" y="54033"/>
                   </a:lnTo>
                   <a:lnTo>
-                    <a:pt x="11176" y="51549"/>
+                    <a:pt x="11175" y="51549"/>
                   </a:lnTo>
                   <a:lnTo>
                     <a:pt x="15978" y="48864"/>
@@ -18999,7 +18999,7 @@
           </p:nvSpPr>
           <p:spPr>
             <a:xfrm>
-              <a:off x="2995969" y="2881249"/>
+              <a:off x="2994226" y="2884418"/>
               <a:ext cx="41036" cy="96043"/>
             </a:xfrm>
             <a:custGeom>
@@ -19277,7 +19277,7 @@
                     <a:pt x="13970" y="82073"/>
                   </a:lnTo>
                   <a:lnTo>
-                    <a:pt x="13970" y="42783"/>
+                    <a:pt x="13969" y="42783"/>
                   </a:lnTo>
                   <a:lnTo>
                     <a:pt x="0" y="42783"/>
@@ -19408,7 +19408,7 @@
           </p:nvSpPr>
           <p:spPr>
             <a:xfrm>
-              <a:off x="3040062" y="2880376"/>
+              <a:off x="3038319" y="2883545"/>
               <a:ext cx="55443" cy="73779"/>
             </a:xfrm>
             <a:custGeom>
@@ -19440,7 +19440,7 @@
                     <a:pt x="4802" y="16589"/>
                   </a:lnTo>
                   <a:lnTo>
-                    <a:pt x="20955" y="16589"/>
+                    <a:pt x="20954" y="16589"/>
                   </a:lnTo>
                   <a:lnTo>
                     <a:pt x="21125" y="15716"/>
@@ -19541,7 +19541,7 @@
           </p:nvSpPr>
           <p:spPr>
             <a:xfrm>
-              <a:off x="3034387" y="2913991"/>
+              <a:off x="3032643" y="2917160"/>
               <a:ext cx="37544" cy="63301"/>
             </a:xfrm>
             <a:custGeom>
@@ -19758,7 +19758,7 @@
           </p:nvSpPr>
           <p:spPr>
             <a:xfrm>
-              <a:off x="3068875" y="2952845"/>
+              <a:off x="3067132" y="2956014"/>
               <a:ext cx="28376" cy="24447"/>
             </a:xfrm>
             <a:custGeom>
@@ -19855,7 +19855,7 @@
           </p:nvSpPr>
           <p:spPr>
             <a:xfrm>
-              <a:off x="3107293" y="2876010"/>
+              <a:off x="3105549" y="2879179"/>
               <a:ext cx="49768" cy="27066"/>
             </a:xfrm>
             <a:custGeom>
@@ -20030,7 +20030,7 @@
           </p:nvSpPr>
           <p:spPr>
             <a:xfrm>
-              <a:off x="3154878" y="2876010"/>
+              <a:off x="3153135" y="2879179"/>
               <a:ext cx="52387" cy="25757"/>
             </a:xfrm>
             <a:custGeom>
@@ -20205,7 +20205,7 @@
           </p:nvSpPr>
           <p:spPr>
             <a:xfrm>
-              <a:off x="3107293" y="2903077"/>
+              <a:off x="3105549" y="2906246"/>
               <a:ext cx="100409" cy="74215"/>
             </a:xfrm>
             <a:custGeom>
@@ -20350,7 +20350,7 @@
           </p:nvSpPr>
           <p:spPr>
             <a:xfrm>
-              <a:off x="3127811" y="2910499"/>
+              <a:off x="3126068" y="2913668"/>
               <a:ext cx="60245" cy="4802"/>
             </a:xfrm>
             <a:custGeom>
@@ -20393,7 +20393,7 @@
           </p:nvSpPr>
           <p:spPr>
             <a:xfrm>
-              <a:off x="3127811" y="2921849"/>
+              <a:off x="3126068" y="2925018"/>
               <a:ext cx="60245" cy="4802"/>
             </a:xfrm>
             <a:custGeom>
@@ -20436,7 +20436,7 @@
           </p:nvSpPr>
           <p:spPr>
             <a:xfrm>
-              <a:off x="3127811" y="2933200"/>
+              <a:off x="3126068" y="2936369"/>
               <a:ext cx="60245" cy="4802"/>
             </a:xfrm>
             <a:custGeom>
@@ -20479,7 +20479,7 @@
           </p:nvSpPr>
           <p:spPr>
             <a:xfrm>
-              <a:off x="3144837" y="2945424"/>
+              <a:off x="3143094" y="2948593"/>
               <a:ext cx="25757" cy="6548"/>
             </a:xfrm>
             <a:custGeom>
@@ -20522,7 +20522,7 @@
           </p:nvSpPr>
           <p:spPr>
             <a:xfrm>
-              <a:off x="3218616" y="2881686"/>
+              <a:off x="3216873" y="2884854"/>
               <a:ext cx="101282" cy="95607"/>
             </a:xfrm>
             <a:custGeom>
@@ -20775,7 +20775,7 @@
           </p:nvSpPr>
           <p:spPr>
             <a:xfrm>
-              <a:off x="3238262" y="2909189"/>
+              <a:off x="3236518" y="2912358"/>
               <a:ext cx="26193" cy="12660"/>
             </a:xfrm>
             <a:custGeom>
@@ -20818,7 +20818,7 @@
           </p:nvSpPr>
           <p:spPr>
             <a:xfrm>
-              <a:off x="3273623" y="2909189"/>
+              <a:off x="3271880" y="2912358"/>
               <a:ext cx="26193" cy="12660"/>
             </a:xfrm>
             <a:custGeom>
@@ -20861,7 +20861,7 @@
           </p:nvSpPr>
           <p:spPr>
             <a:xfrm>
-              <a:off x="3238262" y="2929707"/>
+              <a:off x="3236518" y="2932876"/>
               <a:ext cx="26193" cy="12223"/>
             </a:xfrm>
             <a:custGeom>
@@ -20904,7 +20904,7 @@
           </p:nvSpPr>
           <p:spPr>
             <a:xfrm>
-              <a:off x="3273623" y="2929707"/>
+              <a:off x="3271880" y="2932876"/>
               <a:ext cx="26193" cy="12223"/>
             </a:xfrm>
             <a:custGeom>
@@ -20947,7 +20947,7 @@
           </p:nvSpPr>
           <p:spPr>
             <a:xfrm>
-              <a:off x="3332559" y="2879939"/>
+              <a:off x="3330816" y="2883108"/>
               <a:ext cx="21828" cy="27066"/>
             </a:xfrm>
             <a:custGeom>
@@ -21044,7 +21044,7 @@
           </p:nvSpPr>
           <p:spPr>
             <a:xfrm>
-              <a:off x="3330813" y="2929271"/>
+              <a:off x="3329069" y="2932440"/>
               <a:ext cx="23574" cy="45839"/>
             </a:xfrm>
             <a:custGeom>
@@ -21141,7 +21141,7 @@
           </p:nvSpPr>
           <p:spPr>
             <a:xfrm>
-              <a:off x="3353951" y="2876883"/>
+              <a:off x="3352207" y="2880052"/>
               <a:ext cx="78581" cy="100409"/>
             </a:xfrm>
             <a:custGeom>
@@ -21373,7 +21373,7 @@
           </p:nvSpPr>
           <p:spPr>
             <a:xfrm>
-              <a:off x="3394988" y="2903077"/>
+              <a:off x="3393244" y="2906246"/>
               <a:ext cx="17025" cy="23574"/>
             </a:xfrm>
             <a:custGeom>
@@ -21446,7 +21446,7 @@
           </p:nvSpPr>
           <p:spPr>
             <a:xfrm>
-              <a:off x="3334305" y="2996711"/>
+              <a:off x="3332562" y="2999880"/>
               <a:ext cx="93424" cy="28813"/>
             </a:xfrm>
             <a:custGeom>
@@ -21567,7 +21567,7 @@
           </p:nvSpPr>
           <p:spPr>
             <a:xfrm>
-              <a:off x="3331249" y="3028580"/>
+              <a:off x="3329506" y="3031749"/>
               <a:ext cx="100409" cy="68976"/>
             </a:xfrm>
             <a:custGeom>
@@ -21755,7 +21755,7 @@
                     <a:pt x="18182" y="31532"/>
                   </a:lnTo>
                   <a:lnTo>
-                    <a:pt x="19557" y="26665"/>
+                    <a:pt x="19558" y="26665"/>
                   </a:lnTo>
                   <a:lnTo>
                     <a:pt x="20627" y="21684"/>
@@ -21856,7 +21856,7 @@
           </p:nvSpPr>
           <p:spPr>
             <a:xfrm>
-              <a:off x="2199734" y="2561725"/>
+              <a:off x="2197990" y="2564014"/>
               <a:ext cx="57353" cy="82019"/>
             </a:xfrm>
             <a:custGeom>
@@ -22673,7 +22673,7 @@
           </p:nvSpPr>
           <p:spPr>
             <a:xfrm>
-              <a:off x="2268329" y="2629010"/>
+              <a:off x="2266585" y="2631299"/>
               <a:ext cx="13860" cy="15225"/>
             </a:xfrm>
             <a:custGeom>
@@ -23184,7 +23184,7 @@
           </p:nvSpPr>
           <p:spPr>
             <a:xfrm>
-              <a:off x="2323663" y="2553594"/>
+              <a:off x="2321920" y="2555883"/>
               <a:ext cx="99536" cy="99099"/>
             </a:xfrm>
             <a:custGeom>
@@ -23288,10 +23288,10 @@
                     <a:pt x="92551" y="99099"/>
                   </a:lnTo>
                   <a:lnTo>
-                    <a:pt x="83819" y="99099"/>
-                  </a:lnTo>
-                  <a:lnTo>
-                    <a:pt x="83819" y="95607"/>
+                    <a:pt x="83820" y="99099"/>
+                  </a:lnTo>
+                  <a:lnTo>
+                    <a:pt x="83820" y="95607"/>
                   </a:lnTo>
                   <a:lnTo>
                     <a:pt x="33178" y="95607"/>
@@ -23348,7 +23348,7 @@
                     <a:pt x="8512" y="52985"/>
                   </a:lnTo>
                   <a:lnTo>
-                    <a:pt x="11175" y="51025"/>
+                    <a:pt x="11176" y="51025"/>
                   </a:lnTo>
                   <a:lnTo>
                     <a:pt x="13751" y="49004"/>
@@ -23393,7 +23393,7 @@
                     <a:pt x="42783" y="9604"/>
                   </a:lnTo>
                   <a:lnTo>
-                    <a:pt x="13969" y="10914"/>
+                    <a:pt x="13970" y="10914"/>
                   </a:lnTo>
                   <a:lnTo>
                     <a:pt x="10914" y="3492"/>
@@ -23449,7 +23449,7 @@
           </p:nvSpPr>
           <p:spPr>
             <a:xfrm>
-              <a:off x="2356842" y="2605545"/>
+              <a:off x="2355098" y="2607834"/>
               <a:ext cx="50641" cy="6548"/>
             </a:xfrm>
             <a:custGeom>
@@ -23492,7 +23492,7 @@
           </p:nvSpPr>
           <p:spPr>
             <a:xfrm>
-              <a:off x="2356842" y="2619952"/>
+              <a:off x="2355098" y="2622240"/>
               <a:ext cx="50641" cy="6548"/>
             </a:xfrm>
             <a:custGeom>
@@ -23535,7 +23535,7 @@
           </p:nvSpPr>
           <p:spPr>
             <a:xfrm>
-              <a:off x="2356842" y="2634358"/>
+              <a:off x="2355098" y="2636647"/>
               <a:ext cx="50641" cy="6548"/>
             </a:xfrm>
             <a:custGeom>
@@ -23578,7 +23578,7 @@
           </p:nvSpPr>
           <p:spPr>
             <a:xfrm>
-              <a:off x="2438043" y="2551848"/>
+              <a:off x="2436299" y="2554136"/>
               <a:ext cx="97353" cy="100845"/>
             </a:xfrm>
             <a:custGeom>
@@ -24002,7 +24002,7 @@
           </p:nvSpPr>
           <p:spPr>
             <a:xfrm>
-              <a:off x="2553732" y="2552284"/>
+              <a:off x="2551988" y="2554573"/>
               <a:ext cx="89495" cy="22264"/>
             </a:xfrm>
             <a:custGeom>
@@ -24123,7 +24123,7 @@
           </p:nvSpPr>
           <p:spPr>
             <a:xfrm>
-              <a:off x="2551112" y="2570620"/>
+              <a:off x="2549369" y="2572909"/>
               <a:ext cx="95607" cy="42346"/>
             </a:xfrm>
             <a:custGeom>
@@ -24451,7 +24451,7 @@
           </p:nvSpPr>
           <p:spPr>
             <a:xfrm>
-              <a:off x="2581672" y="2585027"/>
+              <a:off x="2579928" y="2587315"/>
               <a:ext cx="32742" cy="10040"/>
             </a:xfrm>
             <a:custGeom>
@@ -24548,7 +24548,7 @@
           </p:nvSpPr>
           <p:spPr>
             <a:xfrm>
-              <a:off x="2548056" y="2608164"/>
+              <a:off x="2546313" y="2610453"/>
               <a:ext cx="100845" cy="44965"/>
             </a:xfrm>
             <a:custGeom>
@@ -24741,7 +24741,7 @@
           </p:nvSpPr>
           <p:spPr>
             <a:xfrm>
-              <a:off x="2668984" y="2552284"/>
+              <a:off x="2667241" y="2554573"/>
               <a:ext cx="20081" cy="23137"/>
             </a:xfrm>
             <a:custGeom>
@@ -24838,7 +24838,7 @@
           </p:nvSpPr>
           <p:spPr>
             <a:xfrm>
-              <a:off x="2660253" y="2584590"/>
+              <a:off x="2658509" y="2586879"/>
               <a:ext cx="38417" cy="62428"/>
             </a:xfrm>
             <a:custGeom>
@@ -24923,7 +24923,7 @@
           </p:nvSpPr>
           <p:spPr>
             <a:xfrm>
-              <a:off x="2696924" y="2555777"/>
+              <a:off x="2695181" y="2558066"/>
               <a:ext cx="61991" cy="41473"/>
             </a:xfrm>
             <a:custGeom>
@@ -24931,10 +24931,10 @@
               <a:pathLst>
                 <a:path w="61991" h="41473">
                   <a:moveTo>
-                    <a:pt x="48894" y="0"/>
+                    <a:pt x="48895" y="0"/>
                   </a:moveTo>
                   <a:lnTo>
-                    <a:pt x="48894" y="26193"/>
+                    <a:pt x="48895" y="26193"/>
                   </a:lnTo>
                   <a:lnTo>
                     <a:pt x="48925" y="27106"/>
@@ -25188,7 +25188,7 @@
           </p:nvSpPr>
           <p:spPr>
             <a:xfrm>
-              <a:off x="2692995" y="2599433"/>
+              <a:off x="2691252" y="2601722"/>
               <a:ext cx="66357" cy="53260"/>
             </a:xfrm>
             <a:custGeom>
@@ -25364,7 +25364,7 @@
                     <a:pt x="25617" y="33842"/>
                   </a:lnTo>
                   <a:lnTo>
-                    <a:pt x="27940" y="32305"/>
+                    <a:pt x="27939" y="32305"/>
                   </a:lnTo>
                   <a:lnTo>
                     <a:pt x="26154" y="30253"/>
@@ -25417,7 +25417,7 @@
           </p:nvSpPr>
           <p:spPr>
             <a:xfrm>
-              <a:off x="2716133" y="2607291"/>
+              <a:off x="2714389" y="2609580"/>
               <a:ext cx="25320" cy="19208"/>
             </a:xfrm>
             <a:custGeom>
@@ -25511,7 +25511,7 @@
           </p:nvSpPr>
           <p:spPr>
             <a:xfrm>
-              <a:off x="2780744" y="2552284"/>
+              <a:off x="2779001" y="2554573"/>
               <a:ext cx="20081" cy="23137"/>
             </a:xfrm>
             <a:custGeom>
@@ -25608,7 +25608,7 @@
           </p:nvSpPr>
           <p:spPr>
             <a:xfrm>
-              <a:off x="2772013" y="2584590"/>
+              <a:off x="2770269" y="2586879"/>
               <a:ext cx="38417" cy="62428"/>
             </a:xfrm>
             <a:custGeom>
@@ -25693,7 +25693,7 @@
           </p:nvSpPr>
           <p:spPr>
             <a:xfrm>
-              <a:off x="2802136" y="2552284"/>
+              <a:off x="2800392" y="2554573"/>
               <a:ext cx="70286" cy="101282"/>
             </a:xfrm>
             <a:custGeom>
@@ -25760,7 +25760,7 @@
           </p:nvSpPr>
           <p:spPr>
             <a:xfrm>
-              <a:off x="2899489" y="2554467"/>
+              <a:off x="2897746" y="2556756"/>
               <a:ext cx="68976" cy="39727"/>
             </a:xfrm>
             <a:custGeom>
@@ -25803,7 +25803,7 @@
           </p:nvSpPr>
           <p:spPr>
             <a:xfrm>
-              <a:off x="2907784" y="2562325"/>
+              <a:off x="2906040" y="2564614"/>
               <a:ext cx="52387" cy="8294"/>
             </a:xfrm>
             <a:custGeom>
@@ -25846,7 +25846,7 @@
           </p:nvSpPr>
           <p:spPr>
             <a:xfrm>
-              <a:off x="2907784" y="2577605"/>
+              <a:off x="2906040" y="2579894"/>
               <a:ext cx="52387" cy="8731"/>
             </a:xfrm>
             <a:custGeom>
@@ -25889,7 +25889,7 @@
           </p:nvSpPr>
           <p:spPr>
             <a:xfrm>
-              <a:off x="2882463" y="2600306"/>
+              <a:off x="2880720" y="2602595"/>
               <a:ext cx="102155" cy="52387"/>
             </a:xfrm>
             <a:custGeom>
@@ -26116,7 +26116,7 @@
                     <a:pt x="28363" y="22871"/>
                   </a:lnTo>
                   <a:lnTo>
-                    <a:pt x="27940" y="24010"/>
+                    <a:pt x="27939" y="24010"/>
                   </a:lnTo>
                   <a:lnTo>
                     <a:pt x="29550" y="25958"/>
@@ -26178,7 +26178,7 @@
           </p:nvSpPr>
           <p:spPr>
             <a:xfrm>
-              <a:off x="2995096" y="2555777"/>
+              <a:off x="2993353" y="2558066"/>
               <a:ext cx="96916" cy="53260"/>
             </a:xfrm>
             <a:custGeom>
@@ -26326,7 +26326,7 @@
           </p:nvSpPr>
           <p:spPr>
             <a:xfrm>
-              <a:off x="3055342" y="2570620"/>
+              <a:off x="3053598" y="2572909"/>
               <a:ext cx="40600" cy="30122"/>
             </a:xfrm>
             <a:custGeom>
@@ -26423,7 +26423,7 @@
           </p:nvSpPr>
           <p:spPr>
             <a:xfrm>
-              <a:off x="3007320" y="2605982"/>
+              <a:off x="3005577" y="2608270"/>
               <a:ext cx="76398" cy="46712"/>
             </a:xfrm>
             <a:custGeom>
@@ -26478,7 +26478,7 @@
           </p:nvSpPr>
           <p:spPr>
             <a:xfrm>
-              <a:off x="3016051" y="2614276"/>
+              <a:off x="3014308" y="2616565"/>
               <a:ext cx="58935" cy="23574"/>
             </a:xfrm>
             <a:custGeom>
@@ -26521,7 +26521,7 @@
           </p:nvSpPr>
           <p:spPr>
             <a:xfrm>
-              <a:off x="3108166" y="2551848"/>
+              <a:off x="3106422" y="2554136"/>
               <a:ext cx="97353" cy="101282"/>
             </a:xfrm>
             <a:custGeom>
@@ -26900,21 +26900,21 @@
           </p:nvSpPr>
           <p:spPr>
             <a:xfrm>
-              <a:off x="3139162" y="2593758"/>
-              <a:ext cx="48894" cy="10477"/>
+              <a:off x="3137418" y="2596046"/>
+              <a:ext cx="48895" cy="10477"/>
             </a:xfrm>
             <a:custGeom>
               <a:avLst/>
               <a:pathLst>
-                <a:path w="48894" h="10477">
+                <a:path w="48895" h="10477">
                   <a:moveTo>
                     <a:pt x="0" y="10477"/>
                   </a:moveTo>
                   <a:lnTo>
-                    <a:pt x="48894" y="10477"/>
-                  </a:lnTo>
-                  <a:lnTo>
-                    <a:pt x="48894" y="0"/>
+                    <a:pt x="48895" y="10477"/>
+                  </a:lnTo>
+                  <a:lnTo>
+                    <a:pt x="48895" y="0"/>
                   </a:lnTo>
                   <a:lnTo>
                     <a:pt x="0" y="0"/>
@@ -26943,21 +26943,21 @@
           </p:nvSpPr>
           <p:spPr>
             <a:xfrm>
-              <a:off x="3139162" y="2612093"/>
-              <a:ext cx="48894" cy="10040"/>
+              <a:off x="3137418" y="2614382"/>
+              <a:ext cx="48895" cy="10040"/>
             </a:xfrm>
             <a:custGeom>
               <a:avLst/>
               <a:pathLst>
-                <a:path w="48894" h="10040">
+                <a:path w="48895" h="10040">
                   <a:moveTo>
                     <a:pt x="0" y="10040"/>
                   </a:moveTo>
                   <a:lnTo>
-                    <a:pt x="48894" y="10040"/>
-                  </a:lnTo>
-                  <a:lnTo>
-                    <a:pt x="48894" y="0"/>
+                    <a:pt x="48895" y="10040"/>
+                  </a:lnTo>
+                  <a:lnTo>
+                    <a:pt x="48895" y="0"/>
                   </a:lnTo>
                   <a:lnTo>
                     <a:pt x="0" y="0"/>
@@ -26986,7 +26986,7 @@
           </p:nvSpPr>
           <p:spPr>
             <a:xfrm>
-              <a:off x="3217743" y="2552284"/>
+              <a:off x="3216000" y="2554573"/>
               <a:ext cx="35361" cy="100409"/>
             </a:xfrm>
             <a:custGeom>
@@ -27122,7 +27122,7 @@
           </p:nvSpPr>
           <p:spPr>
             <a:xfrm>
-              <a:off x="3244373" y="2552284"/>
+              <a:off x="3242630" y="2554573"/>
               <a:ext cx="76398" cy="45839"/>
             </a:xfrm>
             <a:custGeom>
@@ -27312,7 +27312,7 @@
           </p:nvSpPr>
           <p:spPr>
             <a:xfrm>
-              <a:off x="3293705" y="2592885"/>
+              <a:off x="3291962" y="2595173"/>
               <a:ext cx="8731" cy="60245"/>
             </a:xfrm>
             <a:custGeom>
@@ -27355,7 +27355,7 @@
           </p:nvSpPr>
           <p:spPr>
             <a:xfrm>
-              <a:off x="3246120" y="2593758"/>
+              <a:off x="3244376" y="2596046"/>
               <a:ext cx="24010" cy="59372"/>
             </a:xfrm>
             <a:custGeom>
@@ -27488,7 +27488,7 @@
           </p:nvSpPr>
           <p:spPr>
             <a:xfrm>
-              <a:off x="3329503" y="2552284"/>
+              <a:off x="3327760" y="2554573"/>
               <a:ext cx="31869" cy="100409"/>
             </a:xfrm>
             <a:custGeom>
@@ -27624,7 +27624,7 @@
           </p:nvSpPr>
           <p:spPr>
             <a:xfrm>
-              <a:off x="3358753" y="2552721"/>
+              <a:off x="3357009" y="2555010"/>
               <a:ext cx="72032" cy="96043"/>
             </a:xfrm>
             <a:custGeom>
@@ -27715,7 +27715,7 @@
           </p:nvSpPr>
           <p:spPr>
             <a:xfrm>
-              <a:off x="3379708" y="2588082"/>
+              <a:off x="3377964" y="2590371"/>
               <a:ext cx="34051" cy="8294"/>
             </a:xfrm>
             <a:custGeom>
@@ -27758,7 +27758,7 @@
           </p:nvSpPr>
           <p:spPr>
             <a:xfrm>
-              <a:off x="3379708" y="2602926"/>
+              <a:off x="3377964" y="2605214"/>
               <a:ext cx="34051" cy="8731"/>
             </a:xfrm>
             <a:custGeom>
@@ -27801,7 +27801,7 @@
           </p:nvSpPr>
           <p:spPr>
             <a:xfrm>
-              <a:off x="3379708" y="2618205"/>
+              <a:off x="3377964" y="2620494"/>
               <a:ext cx="34051" cy="8294"/>
             </a:xfrm>
             <a:custGeom>
@@ -27844,7 +27844,7 @@
           </p:nvSpPr>
           <p:spPr>
             <a:xfrm>
-              <a:off x="3379708" y="2633048"/>
+              <a:off x="3377964" y="2635337"/>
               <a:ext cx="34051" cy="8294"/>
             </a:xfrm>
             <a:custGeom>
@@ -27887,7 +27887,7 @@
           </p:nvSpPr>
           <p:spPr>
             <a:xfrm>
-              <a:off x="3106856" y="2677787"/>
+              <a:off x="3105113" y="2680076"/>
               <a:ext cx="101282" cy="95607"/>
             </a:xfrm>
             <a:custGeom>
@@ -28060,7 +28060,7 @@
                     <a:pt x="78633" y="86919"/>
                   </a:lnTo>
                   <a:lnTo>
-                    <a:pt x="79314" y="86613"/>
+                    <a:pt x="79314" y="86614"/>
                   </a:lnTo>
                   <a:lnTo>
                     <a:pt x="79890" y="86221"/>
@@ -28140,7 +28140,7 @@
           </p:nvSpPr>
           <p:spPr>
             <a:xfrm>
-              <a:off x="3126502" y="2705291"/>
+              <a:off x="3124758" y="2707579"/>
               <a:ext cx="26193" cy="12660"/>
             </a:xfrm>
             <a:custGeom>
@@ -28183,7 +28183,7 @@
           </p:nvSpPr>
           <p:spPr>
             <a:xfrm>
-              <a:off x="3161863" y="2705291"/>
+              <a:off x="3160120" y="2707579"/>
               <a:ext cx="26193" cy="12660"/>
             </a:xfrm>
             <a:custGeom>
@@ -28226,7 +28226,7 @@
           </p:nvSpPr>
           <p:spPr>
             <a:xfrm>
-              <a:off x="3126502" y="2725809"/>
+              <a:off x="3124758" y="2728098"/>
               <a:ext cx="26193" cy="12223"/>
             </a:xfrm>
             <a:custGeom>
@@ -28269,7 +28269,7 @@
           </p:nvSpPr>
           <p:spPr>
             <a:xfrm>
-              <a:off x="3161863" y="2725809"/>
+              <a:off x="3160120" y="2728098"/>
               <a:ext cx="26193" cy="12223"/>
             </a:xfrm>
             <a:custGeom>
@@ -28312,7 +28312,7 @@
           </p:nvSpPr>
           <p:spPr>
             <a:xfrm>
-              <a:off x="3220799" y="2676041"/>
+              <a:off x="3219056" y="2678330"/>
               <a:ext cx="21828" cy="27066"/>
             </a:xfrm>
             <a:custGeom>
@@ -28332,7 +28332,7 @@
                     <a:pt x="12599" y="6221"/>
                   </a:lnTo>
                   <a:lnTo>
-                    <a:pt x="14074" y="8381"/>
+                    <a:pt x="14074" y="8382"/>
                   </a:lnTo>
                   <a:lnTo>
                     <a:pt x="15497" y="10586"/>
@@ -28409,7 +28409,7 @@
           </p:nvSpPr>
           <p:spPr>
             <a:xfrm>
-              <a:off x="3219053" y="2725373"/>
+              <a:off x="3217309" y="2727661"/>
               <a:ext cx="23574" cy="45839"/>
             </a:xfrm>
             <a:custGeom>
@@ -28506,7 +28506,7 @@
           </p:nvSpPr>
           <p:spPr>
             <a:xfrm>
-              <a:off x="3242191" y="2672985"/>
+              <a:off x="3240447" y="2675274"/>
               <a:ext cx="78581" cy="100409"/>
             </a:xfrm>
             <a:custGeom>
@@ -28631,7 +28631,7 @@
                     <a:pt x="55757" y="87487"/>
                   </a:lnTo>
                   <a:lnTo>
-                    <a:pt x="52278" y="83820"/>
+                    <a:pt x="52278" y="83819"/>
                   </a:lnTo>
                   <a:lnTo>
                     <a:pt x="49034" y="79978"/>
@@ -28738,7 +28738,7 @@
           </p:nvSpPr>
           <p:spPr>
             <a:xfrm>
-              <a:off x="3283228" y="2699179"/>
+              <a:off x="3281484" y="2701468"/>
               <a:ext cx="17025" cy="23574"/>
             </a:xfrm>
             <a:custGeom>
@@ -28811,7 +28811,7 @@
           </p:nvSpPr>
           <p:spPr>
             <a:xfrm>
-              <a:off x="3334305" y="2672112"/>
+              <a:off x="3332562" y="2674401"/>
               <a:ext cx="93424" cy="28813"/>
             </a:xfrm>
             <a:custGeom>
@@ -28932,7 +28932,7 @@
           </p:nvSpPr>
           <p:spPr>
             <a:xfrm>
-              <a:off x="3331249" y="2703981"/>
+              <a:off x="3329506" y="2706270"/>
               <a:ext cx="100409" cy="68976"/>
             </a:xfrm>
             <a:custGeom>
@@ -29120,7 +29120,7 @@
                     <a:pt x="18182" y="31532"/>
                   </a:lnTo>
                   <a:lnTo>
-                    <a:pt x="19557" y="26665"/>
+                    <a:pt x="19558" y="26665"/>
                   </a:lnTo>
                   <a:lnTo>
                     <a:pt x="20627" y="21684"/>
@@ -29221,7 +29221,7 @@
           </p:nvSpPr>
           <p:spPr>
             <a:xfrm>
-              <a:off x="2984073" y="2298622"/>
+              <a:off x="2982330" y="2300031"/>
               <a:ext cx="52387" cy="79781"/>
             </a:xfrm>
             <a:custGeom>
@@ -29744,7 +29744,7 @@
           </p:nvSpPr>
           <p:spPr>
             <a:xfrm>
-              <a:off x="2994223" y="2307299"/>
+              <a:off x="2992480" y="2308708"/>
               <a:ext cx="29631" cy="25156"/>
             </a:xfrm>
             <a:custGeom>
@@ -29964,7 +29964,7 @@
           </p:nvSpPr>
           <p:spPr>
             <a:xfrm>
-              <a:off x="2994223" y="2340969"/>
+              <a:off x="2992480" y="2342377"/>
               <a:ext cx="31541" cy="28813"/>
             </a:xfrm>
             <a:custGeom>
@@ -30244,7 +30244,7 @@
           </p:nvSpPr>
           <p:spPr>
             <a:xfrm>
-              <a:off x="3050649" y="2364762"/>
+              <a:off x="3048905" y="2366170"/>
               <a:ext cx="13860" cy="15225"/>
             </a:xfrm>
             <a:custGeom>
@@ -30755,7 +30755,7 @@
           </p:nvSpPr>
           <p:spPr>
             <a:xfrm>
-              <a:off x="3106420" y="2293275"/>
+              <a:off x="3104676" y="2294683"/>
               <a:ext cx="98226" cy="95170"/>
             </a:xfrm>
             <a:custGeom>
@@ -30844,7 +30844,7 @@
                     <a:pt x="6548" y="69413"/>
                   </a:lnTo>
                   <a:lnTo>
-                    <a:pt x="0" y="62864"/>
+                    <a:pt x="0" y="62865"/>
                   </a:lnTo>
                   <a:lnTo>
                     <a:pt x="5775" y="58708"/>
@@ -30903,7 +30903,7 @@
           </p:nvSpPr>
           <p:spPr>
             <a:xfrm>
-              <a:off x="3165792" y="2320778"/>
+              <a:off x="3164049" y="2322186"/>
               <a:ext cx="42783" cy="42346"/>
             </a:xfrm>
             <a:custGeom>
@@ -30911,7 +30911,7 @@
               <a:pathLst>
                 <a:path w="42783" h="42346">
                   <a:moveTo>
-                    <a:pt x="6984" y="0"/>
+                    <a:pt x="6985" y="0"/>
                   </a:moveTo>
                   <a:lnTo>
                     <a:pt x="10643" y="3025"/>
@@ -31000,7 +31000,7 @@
           </p:nvSpPr>
           <p:spPr>
             <a:xfrm>
-              <a:off x="3217307" y="2291092"/>
+              <a:off x="3215563" y="2292500"/>
               <a:ext cx="98226" cy="96916"/>
             </a:xfrm>
             <a:custGeom>
@@ -31059,7 +31059,7 @@
                     <a:pt x="63279" y="62830"/>
                   </a:lnTo>
                   <a:lnTo>
-                    <a:pt x="62865" y="63301"/>
+                    <a:pt x="62864" y="63301"/>
                   </a:lnTo>
                   <a:lnTo>
                     <a:pt x="62393" y="63716"/>
@@ -31325,7 +31325,7 @@
           </p:nvSpPr>
           <p:spPr>
             <a:xfrm>
-              <a:off x="3253105" y="2312047"/>
+              <a:off x="3251361" y="2313455"/>
               <a:ext cx="47148" cy="4802"/>
             </a:xfrm>
             <a:custGeom>
@@ -31368,7 +31368,7 @@
           </p:nvSpPr>
           <p:spPr>
             <a:xfrm>
-              <a:off x="3253105" y="2323397"/>
+              <a:off x="3251361" y="2324806"/>
               <a:ext cx="47148" cy="5238"/>
             </a:xfrm>
             <a:custGeom>
@@ -31411,7 +31411,7 @@
           </p:nvSpPr>
           <p:spPr>
             <a:xfrm>
-              <a:off x="3237388" y="2338240"/>
+              <a:off x="3235645" y="2339649"/>
               <a:ext cx="24447" cy="18772"/>
             </a:xfrm>
             <a:custGeom>
@@ -31508,7 +31508,7 @@
           </p:nvSpPr>
           <p:spPr>
             <a:xfrm>
-              <a:off x="3288903" y="2338677"/>
+              <a:off x="3287159" y="2340085"/>
               <a:ext cx="25757" cy="18772"/>
             </a:xfrm>
             <a:custGeom>
@@ -31605,7 +31605,7 @@
           </p:nvSpPr>
           <p:spPr>
             <a:xfrm>
-              <a:off x="3299817" y="2359632"/>
+              <a:off x="3298073" y="2361040"/>
               <a:ext cx="20081" cy="24884"/>
             </a:xfrm>
             <a:custGeom>
@@ -31702,7 +31702,7 @@
           </p:nvSpPr>
           <p:spPr>
             <a:xfrm>
-              <a:off x="3269258" y="2360505"/>
+              <a:off x="3267514" y="2361914"/>
               <a:ext cx="16589" cy="14843"/>
             </a:xfrm>
             <a:custGeom>
@@ -31799,7 +31799,7 @@
           </p:nvSpPr>
           <p:spPr>
             <a:xfrm>
-              <a:off x="3255288" y="2360942"/>
+              <a:off x="3253544" y="2362350"/>
               <a:ext cx="45839" cy="25757"/>
             </a:xfrm>
             <a:custGeom>
@@ -32082,7 +32082,7 @@
           </p:nvSpPr>
           <p:spPr>
             <a:xfrm>
-              <a:off x="3232150" y="2361815"/>
+              <a:off x="3230406" y="2363223"/>
               <a:ext cx="19645" cy="23574"/>
             </a:xfrm>
             <a:custGeom>
@@ -32179,7 +32179,7 @@
           </p:nvSpPr>
           <p:spPr>
             <a:xfrm>
-              <a:off x="3332123" y="2286726"/>
+              <a:off x="3330379" y="2288135"/>
               <a:ext cx="98226" cy="33615"/>
             </a:xfrm>
             <a:custGeom>
@@ -32226,7 +32226,7 @@
                     <a:pt x="91241" y="15716"/>
                   </a:lnTo>
                   <a:lnTo>
-                    <a:pt x="76835" y="15716"/>
+                    <a:pt x="76834" y="15716"/>
                   </a:lnTo>
                   <a:lnTo>
                     <a:pt x="76463" y="16528"/>
@@ -32366,7 +32366,7 @@
           </p:nvSpPr>
           <p:spPr>
             <a:xfrm>
-              <a:off x="3362682" y="2302442"/>
+              <a:off x="3360938" y="2303851"/>
               <a:ext cx="35798" cy="10477"/>
             </a:xfrm>
             <a:custGeom>
@@ -32422,7 +32422,7 @@
                     <a:pt x="1715" y="3143"/>
                   </a:lnTo>
                   <a:lnTo>
-                    <a:pt x="2235" y="4190"/>
+                    <a:pt x="2235" y="4191"/>
                   </a:lnTo>
                   <a:lnTo>
                     <a:pt x="2728" y="5238"/>
@@ -32434,7 +32434,7 @@
                     <a:pt x="3636" y="7334"/>
                   </a:lnTo>
                   <a:lnTo>
-                    <a:pt x="4051" y="8381"/>
+                    <a:pt x="4051" y="8382"/>
                   </a:lnTo>
                   <a:lnTo>
                     <a:pt x="4439" y="9429"/>
@@ -32463,7 +32463,7 @@
           </p:nvSpPr>
           <p:spPr>
             <a:xfrm>
-              <a:off x="3343473" y="2326017"/>
+              <a:off x="3341730" y="2327425"/>
               <a:ext cx="73779" cy="32742"/>
             </a:xfrm>
             <a:custGeom>
@@ -32506,7 +32506,7 @@
           </p:nvSpPr>
           <p:spPr>
             <a:xfrm>
-              <a:off x="3352204" y="2333438"/>
+              <a:off x="3350461" y="2334847"/>
               <a:ext cx="56316" cy="6111"/>
             </a:xfrm>
             <a:custGeom>
@@ -32549,7 +32549,7 @@
           </p:nvSpPr>
           <p:spPr>
             <a:xfrm>
-              <a:off x="3352204" y="2345225"/>
+              <a:off x="3350461" y="2346634"/>
               <a:ext cx="56316" cy="6548"/>
             </a:xfrm>
             <a:custGeom>
@@ -32592,7 +32592,7 @@
           </p:nvSpPr>
           <p:spPr>
             <a:xfrm>
-              <a:off x="3412013" y="2361378"/>
+              <a:off x="3410270" y="2362787"/>
               <a:ext cx="19645" cy="24447"/>
             </a:xfrm>
             <a:custGeom>
@@ -32689,7 +32689,7 @@
           </p:nvSpPr>
           <p:spPr>
             <a:xfrm>
-              <a:off x="3374469" y="2361378"/>
+              <a:off x="3372726" y="2362787"/>
               <a:ext cx="13096" cy="13533"/>
             </a:xfrm>
             <a:custGeom>
@@ -32786,7 +32786,7 @@
           </p:nvSpPr>
           <p:spPr>
             <a:xfrm>
-              <a:off x="3330813" y="2362251"/>
+              <a:off x="3329069" y="2363660"/>
               <a:ext cx="20081" cy="24010"/>
             </a:xfrm>
             <a:custGeom>
@@ -32883,7 +32883,7 @@
           </p:nvSpPr>
           <p:spPr>
             <a:xfrm>
-              <a:off x="3355260" y="2363561"/>
+              <a:off x="3353517" y="2364970"/>
               <a:ext cx="56316" cy="23574"/>
             </a:xfrm>
             <a:custGeom>
@@ -33005,19 +33005,19 @@
                     <a:pt x="42346" y="14406"/>
                   </a:lnTo>
                   <a:lnTo>
-                    <a:pt x="43306" y="14319"/>
+                    <a:pt x="43307" y="14319"/>
                   </a:lnTo>
                   <a:lnTo>
                     <a:pt x="44092" y="14231"/>
                   </a:lnTo>
                   <a:lnTo>
-                    <a:pt x="44703" y="14144"/>
+                    <a:pt x="44704" y="14144"/>
                   </a:lnTo>
                   <a:lnTo>
                     <a:pt x="45140" y="14057"/>
                   </a:lnTo>
                   <a:lnTo>
-                    <a:pt x="45402" y="13969"/>
+                    <a:pt x="45402" y="13970"/>
                   </a:lnTo>
                   <a:lnTo>
                     <a:pt x="45660" y="13563"/>
@@ -33196,7 +33196,7 @@
           </p:nvSpPr>
           <p:spPr>
             <a:xfrm>
-              <a:off x="3086447" y="1973696"/>
+              <a:off x="3084703" y="1974224"/>
               <a:ext cx="67940" cy="80109"/>
             </a:xfrm>
             <a:custGeom>
@@ -33251,7 +33251,7 @@
           </p:nvSpPr>
           <p:spPr>
             <a:xfrm>
-              <a:off x="3108821" y="1984610"/>
+              <a:off x="3107077" y="1985138"/>
               <a:ext cx="23246" cy="35470"/>
             </a:xfrm>
             <a:custGeom>
@@ -33442,7 +33442,7 @@
                     <a:pt x="9757" y="6645"/>
                   </a:lnTo>
                   <a:lnTo>
-                    <a:pt x="9658" y="6985"/>
+                    <a:pt x="9658" y="6984"/>
                   </a:lnTo>
                   <a:lnTo>
                     <a:pt x="9560" y="7310"/>
@@ -33531,7 +33531,7 @@
           </p:nvSpPr>
           <p:spPr>
             <a:xfrm>
-              <a:off x="3162409" y="2040163"/>
+              <a:off x="3160665" y="2040691"/>
               <a:ext cx="13860" cy="15225"/>
             </a:xfrm>
             <a:custGeom>
@@ -33605,7 +33605,7 @@
                     <a:pt x="2207" y="1566"/>
                   </a:lnTo>
                   <a:lnTo>
-                    <a:pt x="2403" y="1396"/>
+                    <a:pt x="2403" y="1397"/>
                   </a:lnTo>
                   <a:lnTo>
                     <a:pt x="2605" y="1238"/>
@@ -33713,7 +33713,7 @@
                     <a:pt x="11250" y="1238"/>
                   </a:lnTo>
                   <a:lnTo>
-                    <a:pt x="11455" y="1396"/>
+                    <a:pt x="11455" y="1397"/>
                   </a:lnTo>
                   <a:lnTo>
                     <a:pt x="11652" y="1566"/>
@@ -34042,7 +34042,7 @@
           </p:nvSpPr>
           <p:spPr>
             <a:xfrm>
-              <a:off x="3217307" y="1966493"/>
+              <a:off x="3215563" y="1967021"/>
               <a:ext cx="98226" cy="96916"/>
             </a:xfrm>
             <a:custGeom>
@@ -34059,10 +34059,10 @@
                     <a:pt x="62428" y="7421"/>
                   </a:lnTo>
                   <a:lnTo>
-                    <a:pt x="59809" y="13969"/>
-                  </a:lnTo>
-                  <a:lnTo>
-                    <a:pt x="90805" y="13969"/>
+                    <a:pt x="59809" y="13970"/>
+                  </a:lnTo>
+                  <a:lnTo>
+                    <a:pt x="90805" y="13970"/>
                   </a:lnTo>
                   <a:lnTo>
                     <a:pt x="90805" y="44529"/>
@@ -34101,7 +34101,7 @@
                     <a:pt x="63279" y="62830"/>
                   </a:lnTo>
                   <a:lnTo>
-                    <a:pt x="62865" y="63301"/>
+                    <a:pt x="62864" y="63301"/>
                   </a:lnTo>
                   <a:lnTo>
                     <a:pt x="62393" y="63716"/>
@@ -34233,10 +34233,10 @@
                     <a:pt x="27940" y="44529"/>
                   </a:lnTo>
                   <a:lnTo>
-                    <a:pt x="27940" y="13969"/>
-                  </a:lnTo>
-                  <a:lnTo>
-                    <a:pt x="50641" y="13969"/>
+                    <a:pt x="27940" y="13970"/>
+                  </a:lnTo>
+                  <a:lnTo>
+                    <a:pt x="50641" y="13970"/>
                   </a:lnTo>
                   <a:lnTo>
                     <a:pt x="53260" y="7421"/>
@@ -34367,7 +34367,7 @@
           </p:nvSpPr>
           <p:spPr>
             <a:xfrm>
-              <a:off x="3253105" y="1987448"/>
+              <a:off x="3251361" y="1987976"/>
               <a:ext cx="47148" cy="4802"/>
             </a:xfrm>
             <a:custGeom>
@@ -34410,7 +34410,7 @@
           </p:nvSpPr>
           <p:spPr>
             <a:xfrm>
-              <a:off x="3253105" y="1998798"/>
+              <a:off x="3251361" y="1999327"/>
               <a:ext cx="47148" cy="5238"/>
             </a:xfrm>
             <a:custGeom>
@@ -34453,7 +34453,7 @@
           </p:nvSpPr>
           <p:spPr>
             <a:xfrm>
-              <a:off x="3237388" y="2013641"/>
+              <a:off x="3235645" y="2014170"/>
               <a:ext cx="24447" cy="18772"/>
             </a:xfrm>
             <a:custGeom>
@@ -34550,7 +34550,7 @@
           </p:nvSpPr>
           <p:spPr>
             <a:xfrm>
-              <a:off x="3288903" y="2014078"/>
+              <a:off x="3287159" y="2014606"/>
               <a:ext cx="25757" cy="18772"/>
             </a:xfrm>
             <a:custGeom>
@@ -34647,7 +34647,7 @@
           </p:nvSpPr>
           <p:spPr>
             <a:xfrm>
-              <a:off x="3299817" y="2035033"/>
+              <a:off x="3298073" y="2035561"/>
               <a:ext cx="20081" cy="24884"/>
             </a:xfrm>
             <a:custGeom>
@@ -34744,7 +34744,7 @@
           </p:nvSpPr>
           <p:spPr>
             <a:xfrm>
-              <a:off x="3269258" y="2035906"/>
+              <a:off x="3267514" y="2036434"/>
               <a:ext cx="16589" cy="14843"/>
             </a:xfrm>
             <a:custGeom>
@@ -34841,7 +34841,7 @@
           </p:nvSpPr>
           <p:spPr>
             <a:xfrm>
-              <a:off x="3255288" y="2036343"/>
+              <a:off x="3253544" y="2036871"/>
               <a:ext cx="45839" cy="25757"/>
             </a:xfrm>
             <a:custGeom>
@@ -35124,7 +35124,7 @@
           </p:nvSpPr>
           <p:spPr>
             <a:xfrm>
-              <a:off x="3232150" y="2037216"/>
+              <a:off x="3230406" y="2037744"/>
               <a:ext cx="19645" cy="23574"/>
             </a:xfrm>
             <a:custGeom>
@@ -35221,7 +35221,7 @@
           </p:nvSpPr>
           <p:spPr>
             <a:xfrm>
-              <a:off x="3332123" y="1962127"/>
+              <a:off x="3330379" y="1962655"/>
               <a:ext cx="98226" cy="33615"/>
             </a:xfrm>
             <a:custGeom>
@@ -35268,7 +35268,7 @@
                     <a:pt x="91241" y="15716"/>
                   </a:lnTo>
                   <a:lnTo>
-                    <a:pt x="76835" y="15716"/>
+                    <a:pt x="76834" y="15716"/>
                   </a:lnTo>
                   <a:lnTo>
                     <a:pt x="76463" y="16528"/>
@@ -35316,7 +35316,7 @@
                     <a:pt x="25757" y="26193"/>
                   </a:lnTo>
                   <a:lnTo>
-                    <a:pt x="25307" y="25145"/>
+                    <a:pt x="25307" y="25146"/>
                   </a:lnTo>
                   <a:lnTo>
                     <a:pt x="24831" y="24098"/>
@@ -35328,7 +35328,7 @@
                     <a:pt x="23801" y="22002"/>
                   </a:lnTo>
                   <a:lnTo>
-                    <a:pt x="23246" y="20954"/>
+                    <a:pt x="23246" y="20955"/>
                   </a:lnTo>
                   <a:lnTo>
                     <a:pt x="22666" y="19907"/>
@@ -35340,7 +35340,7 @@
                     <a:pt x="21426" y="17811"/>
                   </a:lnTo>
                   <a:lnTo>
-                    <a:pt x="20767" y="16763"/>
+                    <a:pt x="20767" y="16764"/>
                   </a:lnTo>
                   <a:lnTo>
                     <a:pt x="20081" y="15716"/>
@@ -35408,7 +35408,7 @@
           </p:nvSpPr>
           <p:spPr>
             <a:xfrm>
-              <a:off x="3362682" y="1977843"/>
+              <a:off x="3360938" y="1978372"/>
               <a:ext cx="35798" cy="10477"/>
             </a:xfrm>
             <a:custGeom>
@@ -35505,7 +35505,7 @@
           </p:nvSpPr>
           <p:spPr>
             <a:xfrm>
-              <a:off x="3343473" y="2001418"/>
+              <a:off x="3341730" y="2001946"/>
               <a:ext cx="73779" cy="32742"/>
             </a:xfrm>
             <a:custGeom>
@@ -35548,7 +35548,7 @@
           </p:nvSpPr>
           <p:spPr>
             <a:xfrm>
-              <a:off x="3352204" y="2008839"/>
+              <a:off x="3350461" y="2009367"/>
               <a:ext cx="56316" cy="6111"/>
             </a:xfrm>
             <a:custGeom>
@@ -35591,7 +35591,7 @@
           </p:nvSpPr>
           <p:spPr>
             <a:xfrm>
-              <a:off x="3352204" y="2020626"/>
+              <a:off x="3350461" y="2021155"/>
               <a:ext cx="56316" cy="6548"/>
             </a:xfrm>
             <a:custGeom>
@@ -35634,7 +35634,7 @@
           </p:nvSpPr>
           <p:spPr>
             <a:xfrm>
-              <a:off x="3412013" y="2036779"/>
+              <a:off x="3410270" y="2037307"/>
               <a:ext cx="19645" cy="24447"/>
             </a:xfrm>
             <a:custGeom>
@@ -35731,7 +35731,7 @@
           </p:nvSpPr>
           <p:spPr>
             <a:xfrm>
-              <a:off x="3374469" y="2036779"/>
+              <a:off x="3372726" y="2037307"/>
               <a:ext cx="13096" cy="13533"/>
             </a:xfrm>
             <a:custGeom>
@@ -35828,7 +35828,7 @@
           </p:nvSpPr>
           <p:spPr>
             <a:xfrm>
-              <a:off x="3330813" y="2037652"/>
+              <a:off x="3329069" y="2038181"/>
               <a:ext cx="20081" cy="24010"/>
             </a:xfrm>
             <a:custGeom>
@@ -35925,7 +35925,7 @@
           </p:nvSpPr>
           <p:spPr>
             <a:xfrm>
-              <a:off x="3355260" y="2038962"/>
+              <a:off x="3353517" y="2039490"/>
               <a:ext cx="56316" cy="23574"/>
             </a:xfrm>
             <a:custGeom>
@@ -36047,13 +36047,13 @@
                     <a:pt x="42346" y="14406"/>
                   </a:lnTo>
                   <a:lnTo>
-                    <a:pt x="43306" y="14319"/>
+                    <a:pt x="43307" y="14319"/>
                   </a:lnTo>
                   <a:lnTo>
                     <a:pt x="44092" y="14231"/>
                   </a:lnTo>
                   <a:lnTo>
-                    <a:pt x="44703" y="14144"/>
+                    <a:pt x="44704" y="14144"/>
                   </a:lnTo>
                   <a:lnTo>
                     <a:pt x="45140" y="14057"/>
@@ -36238,7 +36238,7 @@
           </p:nvSpPr>
           <p:spPr>
             <a:xfrm>
-              <a:off x="3436898" y="2989157"/>
+              <a:off x="3435154" y="2992326"/>
               <a:ext cx="34794" cy="0"/>
             </a:xfrm>
             <a:custGeom>
@@ -36278,7 +36278,7 @@
           </p:nvSpPr>
           <p:spPr>
             <a:xfrm>
-              <a:off x="3436898" y="2664558"/>
+              <a:off x="3435154" y="2666847"/>
               <a:ext cx="34794" cy="0"/>
             </a:xfrm>
             <a:custGeom>
@@ -36318,7 +36318,7 @@
           </p:nvSpPr>
           <p:spPr>
             <a:xfrm>
-              <a:off x="3436898" y="2339959"/>
+              <a:off x="3435154" y="2341368"/>
               <a:ext cx="34794" cy="0"/>
             </a:xfrm>
             <a:custGeom>
@@ -36358,7 +36358,7 @@
           </p:nvSpPr>
           <p:spPr>
             <a:xfrm>
-              <a:off x="3436898" y="2015360"/>
+              <a:off x="3435154" y="2015889"/>
               <a:ext cx="34794" cy="0"/>
             </a:xfrm>
             <a:custGeom>
@@ -36398,7 +36398,7 @@
           </p:nvSpPr>
           <p:spPr>
             <a:xfrm>
-              <a:off x="3471692" y="3183917"/>
+              <a:off x="3469949" y="3187614"/>
               <a:ext cx="0" cy="34794"/>
             </a:xfrm>
             <a:custGeom>
@@ -36438,7 +36438,7 @@
           </p:nvSpPr>
           <p:spPr>
             <a:xfrm>
-              <a:off x="4000466" y="3183917"/>
+              <a:off x="3999168" y="3187614"/>
               <a:ext cx="0" cy="34794"/>
             </a:xfrm>
             <a:custGeom>
@@ -36478,7 +36478,7 @@
           </p:nvSpPr>
           <p:spPr>
             <a:xfrm>
-              <a:off x="4529239" y="3183917"/>
+              <a:off x="4528387" y="3187614"/>
               <a:ext cx="0" cy="34794"/>
             </a:xfrm>
             <a:custGeom>
@@ -36518,7 +36518,7 @@
           </p:nvSpPr>
           <p:spPr>
             <a:xfrm>
-              <a:off x="5058013" y="3183917"/>
+              <a:off x="5057606" y="3187614"/>
               <a:ext cx="0" cy="34794"/>
             </a:xfrm>
             <a:custGeom>
@@ -36558,7 +36558,7 @@
           </p:nvSpPr>
           <p:spPr>
             <a:xfrm>
-              <a:off x="3444980" y="3245401"/>
+              <a:off x="3443236" y="3249098"/>
               <a:ext cx="53424" cy="79126"/>
             </a:xfrm>
             <a:custGeom>
@@ -37069,7 +37069,7 @@
           </p:nvSpPr>
           <p:spPr>
             <a:xfrm>
-              <a:off x="3454912" y="3253368"/>
+              <a:off x="3453168" y="3257065"/>
               <a:ext cx="33506" cy="63137"/>
             </a:xfrm>
             <a:custGeom>
@@ -37580,7 +37580,7 @@
           </p:nvSpPr>
           <p:spPr>
             <a:xfrm>
-              <a:off x="3912853" y="3245401"/>
+              <a:off x="3911555" y="3249098"/>
               <a:ext cx="50914" cy="78035"/>
             </a:xfrm>
             <a:custGeom>
@@ -38526,7 +38526,7 @@
           </p:nvSpPr>
           <p:spPr>
             <a:xfrm>
-              <a:off x="3973863" y="3246547"/>
+              <a:off x="3972565" y="3250244"/>
               <a:ext cx="52987" cy="77980"/>
             </a:xfrm>
             <a:custGeom>
@@ -39478,7 +39478,7 @@
           </p:nvSpPr>
           <p:spPr>
             <a:xfrm>
-              <a:off x="4035909" y="3245401"/>
+              <a:off x="4034611" y="3249098"/>
               <a:ext cx="53424" cy="79126"/>
             </a:xfrm>
             <a:custGeom>
@@ -39989,7 +39989,7 @@
           </p:nvSpPr>
           <p:spPr>
             <a:xfrm>
-              <a:off x="4045841" y="3253368"/>
+              <a:off x="4044543" y="3257065"/>
               <a:ext cx="33506" cy="63137"/>
             </a:xfrm>
             <a:custGeom>
@@ -40500,7 +40500,7 @@
           </p:nvSpPr>
           <p:spPr>
             <a:xfrm>
-              <a:off x="4440481" y="3246547"/>
+              <a:off x="4439629" y="3250244"/>
               <a:ext cx="52987" cy="77980"/>
             </a:xfrm>
             <a:custGeom>
@@ -41452,7 +41452,7 @@
           </p:nvSpPr>
           <p:spPr>
             <a:xfrm>
-              <a:off x="4502527" y="3245401"/>
+              <a:off x="4501675" y="3249098"/>
               <a:ext cx="53424" cy="79126"/>
             </a:xfrm>
             <a:custGeom>
@@ -41963,7 +41963,7 @@
           </p:nvSpPr>
           <p:spPr>
             <a:xfrm>
-              <a:off x="4512459" y="3253368"/>
+              <a:off x="4511607" y="3257065"/>
               <a:ext cx="33506" cy="63137"/>
             </a:xfrm>
             <a:custGeom>
@@ -42474,7 +42474,7 @@
           </p:nvSpPr>
           <p:spPr>
             <a:xfrm>
-              <a:off x="4564683" y="3245401"/>
+              <a:off x="4563831" y="3249098"/>
               <a:ext cx="53424" cy="79126"/>
             </a:xfrm>
             <a:custGeom>
@@ -42985,7 +42985,7 @@
           </p:nvSpPr>
           <p:spPr>
             <a:xfrm>
-              <a:off x="4574615" y="3253368"/>
+              <a:off x="4573762" y="3257065"/>
               <a:ext cx="33506" cy="63137"/>
             </a:xfrm>
             <a:custGeom>
@@ -43496,7 +43496,7 @@
           </p:nvSpPr>
           <p:spPr>
             <a:xfrm>
-              <a:off x="4970510" y="3246547"/>
+              <a:off x="4970103" y="3250244"/>
               <a:ext cx="50804" cy="76889"/>
             </a:xfrm>
             <a:custGeom>
@@ -43782,7 +43782,7 @@
           </p:nvSpPr>
           <p:spPr>
             <a:xfrm>
-              <a:off x="5031410" y="3246547"/>
+              <a:off x="5031003" y="3250244"/>
               <a:ext cx="52987" cy="77980"/>
             </a:xfrm>
             <a:custGeom>
@@ -44734,7 +44734,7 @@
           </p:nvSpPr>
           <p:spPr>
             <a:xfrm>
-              <a:off x="5093457" y="3245401"/>
+              <a:off x="5093050" y="3249098"/>
               <a:ext cx="53424" cy="79126"/>
             </a:xfrm>
             <a:custGeom>
@@ -45245,7 +45245,7 @@
           </p:nvSpPr>
           <p:spPr>
             <a:xfrm>
-              <a:off x="5103388" y="3253368"/>
+              <a:off x="5102982" y="3257065"/>
               <a:ext cx="33506" cy="63137"/>
             </a:xfrm>
             <a:custGeom>
